--- a/NS/Week04/Week 4 NS Apr 2021 App-ID.pptx
+++ b/NS/Week04/Week 4 NS Apr 2021 App-ID.pptx
@@ -8875,7 +8875,7 @@
           <a:p>
             <a:fld id="{3C816302-0680-4BDB-9423-5AB75DAB0270}" type="datetimeFigureOut">
               <a:rPr lang="en-SG" smtClean="0"/>
-              <a:t>22/4/2021</a:t>
+              <a:t>27/7/2021</a:t>
             </a:fld>
             <a:endParaRPr lang="en-SG"/>
           </a:p>
@@ -9040,7 +9040,7 @@
           <a:p>
             <a:fld id="{CADA2E16-5414-425F-9821-27BFE18887A1}" type="datetimeFigureOut">
               <a:rPr lang="en-SG" smtClean="0"/>
-              <a:t>22/4/2021</a:t>
+              <a:t>27/7/2021</a:t>
             </a:fld>
             <a:endParaRPr lang="en-SG"/>
           </a:p>
@@ -13908,7 +13908,7 @@
             </a:r>
             <a:r>
               <a:rPr lang="en-US" baseline="0" dirty="0"/>
-              <a:t> example, the sets applications that the administrator wants to allow and deny do not fit into a application filter search. This administrator finds it more convenient to manually list the applications. However, any new applications added to App-ID will not automatically populate these groups.</a:t>
+              <a:t> example, the sets applications that the administrator wants to allow and deny do not fit into any application filter search. This administrator finds it more convenient to manually list the applications. However, any new applications added to App-ID will not automatically populate these groups.</a:t>
             </a:r>
             <a:endParaRPr lang="en-US" dirty="0"/>
           </a:p>
@@ -15647,12 +15647,12 @@
           <a:graphicData uri="http://schemas.openxmlformats.org/presentationml/2006/ole">
             <mc:AlternateContent xmlns:mc="http://schemas.openxmlformats.org/markup-compatibility/2006">
               <mc:Choice xmlns:v="urn:schemas-microsoft-com:vml" Requires="v">
-                <p:oleObj spid="_x0000_s2050" name="Clip" r:id="rId3" imgW="3709988" imgH="2963863" progId="">
+                <p:oleObj name="Clip" r:id="rId2" imgW="3709988" imgH="2963863" progId="">
                   <p:embed/>
                 </p:oleObj>
               </mc:Choice>
               <mc:Fallback>
-                <p:oleObj name="Clip" r:id="rId3" imgW="3709988" imgH="2963863" progId="">
+                <p:oleObj name="Clip" r:id="rId2" imgW="3709988" imgH="2963863" progId="">
                   <p:embed/>
                   <p:pic>
                     <p:nvPicPr>
@@ -15663,7 +15663,7 @@
                       <p:nvPr/>
                     </p:nvPicPr>
                     <p:blipFill>
-                      <a:blip r:embed="rId4">
+                      <a:blip r:embed="rId3">
                         <a:extLst>
                           <a:ext uri="{28A0092B-C50C-407E-A947-70E740481C1C}">
                             <a14:useLocalDpi xmlns:a14="http://schemas.microsoft.com/office/drawing/2010/main" val="0"/>
@@ -18100,7 +18100,7 @@
           <p:nvPr/>
         </p:nvPicPr>
         <p:blipFill>
-          <a:blip r:embed="rId16"/>
+          <a:blip r:embed="rId15"/>
           <a:srcRect/>
           <a:stretch>
             <a:fillRect/>
@@ -18139,12 +18139,12 @@
           <a:graphicData uri="http://schemas.openxmlformats.org/presentationml/2006/ole">
             <mc:AlternateContent xmlns:mc="http://schemas.openxmlformats.org/markup-compatibility/2006">
               <mc:Choice xmlns:v="urn:schemas-microsoft-com:vml" Requires="v">
-                <p:oleObj spid="_x0000_s1026" name="Clip" r:id="rId17" imgW="3709988" imgH="2963863" progId="">
+                <p:oleObj name="Clip" r:id="rId16" imgW="3709988" imgH="2963863" progId="">
                   <p:embed/>
                 </p:oleObj>
               </mc:Choice>
               <mc:Fallback>
-                <p:oleObj name="Clip" r:id="rId17" imgW="3709988" imgH="2963863" progId="">
+                <p:oleObj name="Clip" r:id="rId16" imgW="3709988" imgH="2963863" progId="">
                   <p:embed/>
                   <p:pic>
                     <p:nvPicPr>
@@ -18155,7 +18155,7 @@
                       <p:nvPr/>
                     </p:nvPicPr>
                     <p:blipFill>
-                      <a:blip r:embed="rId18">
+                      <a:blip r:embed="rId17">
                         <a:extLst>
                           <a:ext uri="{28A0092B-C50C-407E-A947-70E740481C1C}">
                             <a14:useLocalDpi xmlns:a14="http://schemas.microsoft.com/office/drawing/2010/main" val="0"/>
@@ -18277,7 +18277,7 @@
           <p:nvPr userDrawn="1"/>
         </p:nvPicPr>
         <p:blipFill>
-          <a:blip r:embed="rId19">
+          <a:blip r:embed="rId18">
             <a:clrChange>
               <a:clrFrom>
                 <a:srgbClr val="FFFFFF"/>
@@ -23752,15 +23752,15 @@
         <p:nvCxnSpPr>
           <p:cNvPr id="46" name="Straight Arrow Connector 45"/>
           <p:cNvCxnSpPr>
+            <a:cxnSpLocks/>
             <a:stCxn id="9" idx="2"/>
-            <a:endCxn id="18" idx="0"/>
           </p:cNvCxnSpPr>
           <p:nvPr/>
         </p:nvCxnSpPr>
         <p:spPr bwMode="auto">
           <a:xfrm flipH="1" flipV="1">
-            <a:off x="3359984" y="3175842"/>
-            <a:ext cx="2608150" cy="495236"/>
+            <a:off x="3359984" y="3301123"/>
+            <a:ext cx="2608150" cy="369955"/>
           </a:xfrm>
           <a:prstGeom prst="straightConnector1">
             <a:avLst/>
@@ -23784,15 +23784,14 @@
         <p:nvCxnSpPr>
           <p:cNvPr id="47" name="Straight Arrow Connector 46"/>
           <p:cNvCxnSpPr>
-            <a:stCxn id="9" idx="2"/>
-            <a:endCxn id="32" idx="0"/>
+            <a:cxnSpLocks/>
           </p:cNvCxnSpPr>
           <p:nvPr/>
         </p:nvCxnSpPr>
         <p:spPr bwMode="auto">
           <a:xfrm flipH="1">
-            <a:off x="3986784" y="3671078"/>
-            <a:ext cx="1981350" cy="529312"/>
+            <a:off x="3986784" y="3789040"/>
+            <a:ext cx="1953368" cy="504056"/>
           </a:xfrm>
           <a:prstGeom prst="straightConnector1">
             <a:avLst/>
@@ -23820,10 +23819,10 @@
         </p:nvGrpSpPr>
         <p:grpSpPr>
           <a:xfrm>
-            <a:off x="2676150" y="2158486"/>
-            <a:ext cx="5583239" cy="1676529"/>
-            <a:chOff x="2676150" y="2158486"/>
-            <a:chExt cx="5583239" cy="1676529"/>
+            <a:off x="2699792" y="2322423"/>
+            <a:ext cx="5559597" cy="1512592"/>
+            <a:chOff x="2699792" y="2322423"/>
+            <a:chExt cx="5559597" cy="1512592"/>
           </a:xfrm>
         </p:grpSpPr>
         <p:sp>
@@ -23900,15 +23899,14 @@
           <p:nvCxnSpPr>
             <p:cNvPr id="39" name="Straight Arrow Connector 38"/>
             <p:cNvCxnSpPr>
-              <a:stCxn id="9" idx="2"/>
-              <a:endCxn id="17" idx="0"/>
+              <a:cxnSpLocks/>
             </p:cNvCxnSpPr>
             <p:nvPr/>
           </p:nvCxnSpPr>
           <p:spPr bwMode="auto">
             <a:xfrm flipH="1" flipV="1">
-              <a:off x="2676150" y="2158486"/>
-              <a:ext cx="3291984" cy="1512592"/>
+              <a:off x="2699792" y="2322423"/>
+              <a:ext cx="3240360" cy="1234455"/>
             </a:xfrm>
             <a:prstGeom prst="straightConnector1">
               <a:avLst/>
